--- a/מצגת אפליקציה/מצגת1.pptx
+++ b/מצגת אפליקציה/מצגת1.pptx
@@ -6,9 +6,11 @@
   </p:sldMasterIdLst>
   <p:sldIdLst>
     <p:sldId id="256" r:id="rId2"/>
-    <p:sldId id="257" r:id="rId3"/>
-    <p:sldId id="258" r:id="rId4"/>
-    <p:sldId id="259" r:id="rId5"/>
+    <p:sldId id="258" r:id="rId3"/>
+    <p:sldId id="257" r:id="rId4"/>
+    <p:sldId id="261" r:id="rId5"/>
+    <p:sldId id="260" r:id="rId6"/>
+    <p:sldId id="259" r:id="rId7"/>
   </p:sldIdLst>
   <p:sldSz cx="12192000" cy="6858000"/>
   <p:notesSz cx="6858000" cy="9144000"/>
@@ -107,6 +109,11 @@
       </a:defRPr>
     </a:lvl9pPr>
   </p:defaultTextStyle>
+  <p:extLst>
+    <p:ext uri="{EFAFB233-063F-42B5-8137-9DF3F51BA10A}">
+      <p15:sldGuideLst xmlns:p15="http://schemas.microsoft.com/office/powerpoint/2012/main"/>
+    </p:ext>
+  </p:extLst>
 </p:presentation>
 </file>
 
@@ -1326,7 +1333,7 @@
             <a:fld id="{9334D819-9F07-4261-B09B-9E467E5D9002}" type="datetimeFigureOut">
               <a:rPr lang="en-US" dirty="0"/>
               <a:pPr/>
-              <a:t>1/23/2018</a:t>
+              <a:t>1/24/2018</a:t>
             </a:fld>
             <a:endParaRPr lang="en-US" dirty="0"/>
           </a:p>
@@ -1560,7 +1567,7 @@
           <a:p>
             <a:fld id="{9334D819-9F07-4261-B09B-9E467E5D9002}" type="datetimeFigureOut">
               <a:rPr lang="en-US" dirty="0"/>
-              <a:t>1/23/2018</a:t>
+              <a:t>1/24/2018</a:t>
             </a:fld>
             <a:endParaRPr lang="en-US" dirty="0"/>
           </a:p>
@@ -1735,7 +1742,7 @@
           <a:p>
             <a:fld id="{9334D819-9F07-4261-B09B-9E467E5D9002}" type="datetimeFigureOut">
               <a:rPr lang="en-US" dirty="0"/>
-              <a:t>1/23/2018</a:t>
+              <a:t>1/24/2018</a:t>
             </a:fld>
             <a:endParaRPr lang="en-US" dirty="0"/>
           </a:p>
@@ -1900,7 +1907,7 @@
           <a:p>
             <a:fld id="{9334D819-9F07-4261-B09B-9E467E5D9002}" type="datetimeFigureOut">
               <a:rPr lang="en-US" dirty="0"/>
-              <a:t>1/23/2018</a:t>
+              <a:t>1/24/2018</a:t>
             </a:fld>
             <a:endParaRPr lang="en-US" dirty="0"/>
           </a:p>
@@ -2172,7 +2179,7 @@
             <a:fld id="{9334D819-9F07-4261-B09B-9E467E5D9002}" type="datetimeFigureOut">
               <a:rPr lang="en-US" dirty="0"/>
               <a:pPr/>
-              <a:t>1/23/2018</a:t>
+              <a:t>1/24/2018</a:t>
             </a:fld>
             <a:endParaRPr lang="en-US" dirty="0"/>
           </a:p>
@@ -3369,7 +3376,7 @@
           <a:p>
             <a:fld id="{9334D819-9F07-4261-B09B-9E467E5D9002}" type="datetimeFigureOut">
               <a:rPr lang="en-US" dirty="0"/>
-              <a:t>1/23/2018</a:t>
+              <a:t>1/24/2018</a:t>
             </a:fld>
             <a:endParaRPr lang="en-US" dirty="0"/>
           </a:p>
@@ -3754,7 +3761,7 @@
           <a:p>
             <a:fld id="{9334D819-9F07-4261-B09B-9E467E5D9002}" type="datetimeFigureOut">
               <a:rPr lang="en-US" dirty="0"/>
-              <a:t>1/23/2018</a:t>
+              <a:t>1/24/2018</a:t>
             </a:fld>
             <a:endParaRPr lang="en-US" dirty="0"/>
           </a:p>
@@ -3872,7 +3879,7 @@
           <a:p>
             <a:fld id="{9334D819-9F07-4261-B09B-9E467E5D9002}" type="datetimeFigureOut">
               <a:rPr lang="en-US" dirty="0"/>
-              <a:t>1/23/2018</a:t>
+              <a:t>1/24/2018</a:t>
             </a:fld>
             <a:endParaRPr lang="en-US" dirty="0"/>
           </a:p>
@@ -3962,7 +3969,7 @@
           <a:p>
             <a:fld id="{9334D819-9F07-4261-B09B-9E467E5D9002}" type="datetimeFigureOut">
               <a:rPr lang="en-US" dirty="0"/>
-              <a:t>1/23/2018</a:t>
+              <a:t>1/24/2018</a:t>
             </a:fld>
             <a:endParaRPr lang="en-US" dirty="0"/>
           </a:p>
@@ -4720,7 +4727,7 @@
           <a:p>
             <a:fld id="{9334D819-9F07-4261-B09B-9E467E5D9002}" type="datetimeFigureOut">
               <a:rPr lang="en-US" dirty="0"/>
-              <a:t>1/23/2018</a:t>
+              <a:t>1/24/2018</a:t>
             </a:fld>
             <a:endParaRPr lang="en-US" dirty="0"/>
           </a:p>
@@ -5555,7 +5562,7 @@
           <a:p>
             <a:fld id="{9334D819-9F07-4261-B09B-9E467E5D9002}" type="datetimeFigureOut">
               <a:rPr lang="en-US" dirty="0"/>
-              <a:t>1/23/2018</a:t>
+              <a:t>1/24/2018</a:t>
             </a:fld>
             <a:endParaRPr lang="en-US" dirty="0"/>
           </a:p>
@@ -5778,7 +5785,7 @@
             <a:fld id="{9334D819-9F07-4261-B09B-9E467E5D9002}" type="datetimeFigureOut">
               <a:rPr lang="en-US" dirty="0"/>
               <a:pPr/>
-              <a:t>1/23/2018</a:t>
+              <a:t>1/24/2018</a:t>
             </a:fld>
             <a:endParaRPr lang="en-US" dirty="0"/>
           </a:p>
@@ -6955,6 +6962,108 @@
           <a:chExt cx="0" cy="0"/>
         </a:xfrm>
       </p:grpSpPr>
+      <p:sp>
+        <p:nvSpPr>
+          <p:cNvPr id="5" name="מלבן 4">
+            <a:extLst>
+              <a:ext uri="{FF2B5EF4-FFF2-40B4-BE49-F238E27FC236}">
+                <a16:creationId xmlns:a16="http://schemas.microsoft.com/office/drawing/2014/main" id="{A34D94F1-C8A5-4F37-975F-9211878F91C6}"/>
+              </a:ext>
+            </a:extLst>
+          </p:cNvPr>
+          <p:cNvSpPr/>
+          <p:nvPr/>
+        </p:nvSpPr>
+        <p:spPr>
+          <a:xfrm>
+            <a:off x="2226365" y="2068979"/>
+            <a:ext cx="8481391" cy="2546082"/>
+          </a:xfrm>
+          <a:prstGeom prst="rect">
+            <a:avLst/>
+          </a:prstGeom>
+        </p:spPr>
+        <p:txBody>
+          <a:bodyPr wrap="square">
+            <a:spAutoFit/>
+          </a:bodyPr>
+          <a:lstStyle/>
+          <a:p>
+            <a:pPr algn="r" rtl="1">
+              <a:lnSpc>
+                <a:spcPct val="107000"/>
+              </a:lnSpc>
+              <a:spcAft>
+                <a:spcPts val="800"/>
+              </a:spcAft>
+            </a:pPr>
+            <a:r>
+              <a:rPr lang="he-IL" sz="2400" b="1" dirty="0">
+                <a:latin typeface="Calibri" panose="020F0502020204030204" pitchFamily="34" charset="0"/>
+                <a:ea typeface="Calibri" panose="020F0502020204030204" pitchFamily="34" charset="0"/>
+              </a:rPr>
+              <a:t>הבעיה שבא הפרויקט לפתור: </a:t>
+            </a:r>
+            <a:endParaRPr lang="en-US" sz="2400" dirty="0">
+              <a:latin typeface="Calibri" panose="020F0502020204030204" pitchFamily="34" charset="0"/>
+              <a:ea typeface="Calibri" panose="020F0502020204030204" pitchFamily="34" charset="0"/>
+              <a:cs typeface="Arial" panose="020B0604020202020204" pitchFamily="34" charset="0"/>
+            </a:endParaRPr>
+          </a:p>
+          <a:p>
+            <a:pPr algn="r" rtl="1">
+              <a:lnSpc>
+                <a:spcPct val="107000"/>
+              </a:lnSpc>
+              <a:spcAft>
+                <a:spcPts val="800"/>
+              </a:spcAft>
+            </a:pPr>
+            <a:r>
+              <a:rPr lang="he-IL" sz="2400" dirty="0">
+                <a:latin typeface="Calibri" panose="020F0502020204030204" pitchFamily="34" charset="0"/>
+                <a:ea typeface="Calibri" panose="020F0502020204030204" pitchFamily="34" charset="0"/>
+              </a:rPr>
+              <a:t>האפליקציה באה לפתור בעיה של "רשימת קניות", כשיוצאים לסופר צריך להכין רשימה של הדברים שצריך לקנות וכשעושים את זה "ידנית" בדרך כלל שוכחים דברים, במהלך הקניות צריך להיות עם רשימה ידנית וכל פעם ששמים מוצר בעגלה צריך לסמן עם עט מה כבר נקנה כדי לא כל פעם לעבור על כל רשימת הקניות ולבדוק מה נקנה ומה לא.</a:t>
+            </a:r>
+            <a:endParaRPr lang="en-US" sz="2400" dirty="0">
+              <a:latin typeface="Calibri" panose="020F0502020204030204" pitchFamily="34" charset="0"/>
+              <a:ea typeface="Calibri" panose="020F0502020204030204" pitchFamily="34" charset="0"/>
+              <a:cs typeface="Arial" panose="020B0604020202020204" pitchFamily="34" charset="0"/>
+            </a:endParaRPr>
+          </a:p>
+        </p:txBody>
+      </p:sp>
+    </p:spTree>
+    <p:extLst>
+      <p:ext uri="{BB962C8B-B14F-4D97-AF65-F5344CB8AC3E}">
+        <p14:creationId xmlns:p14="http://schemas.microsoft.com/office/powerpoint/2010/main" val="2062659103"/>
+      </p:ext>
+    </p:extLst>
+  </p:cSld>
+  <p:clrMapOvr>
+    <a:masterClrMapping/>
+  </p:clrMapOvr>
+</p:sld>
+</file>
+
+<file path=ppt/slides/slide3.xml><?xml version="1.0" encoding="utf-8"?>
+<p:sld xmlns:a="http://schemas.openxmlformats.org/drawingml/2006/main" xmlns:r="http://schemas.openxmlformats.org/officeDocument/2006/relationships" xmlns:p="http://schemas.openxmlformats.org/presentationml/2006/main">
+  <p:cSld>
+    <p:spTree>
+      <p:nvGrpSpPr>
+        <p:cNvPr id="1" name=""/>
+        <p:cNvGrpSpPr/>
+        <p:nvPr/>
+      </p:nvGrpSpPr>
+      <p:grpSpPr>
+        <a:xfrm>
+          <a:off x="0" y="0"/>
+          <a:ext cx="0" cy="0"/>
+          <a:chOff x="0" y="0"/>
+          <a:chExt cx="0" cy="0"/>
+        </a:xfrm>
+      </p:grpSpPr>
       <p:pic>
         <p:nvPicPr>
           <p:cNvPr id="4" name="תמונה 3">
@@ -6999,7 +7108,7 @@
 </p:sld>
 </file>
 
-<file path=ppt/slides/slide3.xml><?xml version="1.0" encoding="utf-8"?>
+<file path=ppt/slides/slide4.xml><?xml version="1.0" encoding="utf-8"?>
 <p:sld xmlns:a="http://schemas.openxmlformats.org/drawingml/2006/main" xmlns:r="http://schemas.openxmlformats.org/officeDocument/2006/relationships" xmlns:p="http://schemas.openxmlformats.org/presentationml/2006/main">
   <p:cSld>
     <p:spTree>
@@ -7018,10 +7127,10 @@
       </p:grpSpPr>
       <p:sp>
         <p:nvSpPr>
-          <p:cNvPr id="5" name="מלבן 4">
+          <p:cNvPr id="2" name="מלבן 1">
             <a:extLst>
               <a:ext uri="{FF2B5EF4-FFF2-40B4-BE49-F238E27FC236}">
-                <a16:creationId xmlns:a16="http://schemas.microsoft.com/office/drawing/2014/main" id="{A34D94F1-C8A5-4F37-975F-9211878F91C6}"/>
+                <a16:creationId xmlns:a16="http://schemas.microsoft.com/office/drawing/2014/main" id="{BBE2C139-108D-4770-B492-32B5251FA75F}"/>
               </a:ext>
             </a:extLst>
           </p:cNvPr>
@@ -7030,15 +7139,15 @@
         </p:nvSpPr>
         <p:spPr>
           <a:xfrm>
-            <a:off x="5102087" y="597988"/>
-            <a:ext cx="6096000" cy="2269467"/>
+            <a:off x="2027583" y="1065885"/>
+            <a:ext cx="8521148" cy="5529719"/>
           </a:xfrm>
           <a:prstGeom prst="rect">
             <a:avLst/>
           </a:prstGeom>
         </p:spPr>
         <p:txBody>
-          <a:bodyPr>
+          <a:bodyPr wrap="square">
             <a:spAutoFit/>
           </a:bodyPr>
           <a:lstStyle/>
@@ -7052,154 +7161,290 @@
               </a:spcAft>
             </a:pPr>
             <a:r>
-              <a:rPr lang="he-IL" b="1" dirty="0">
+              <a:rPr lang="he-IL" sz="2400" b="1" dirty="0">
                 <a:latin typeface="Calibri" panose="020F0502020204030204" pitchFamily="34" charset="0"/>
                 <a:ea typeface="Calibri" panose="020F0502020204030204" pitchFamily="34" charset="0"/>
               </a:rPr>
-              <a:t>הבעיה שבא הפרויקט לפתור: </a:t>
-            </a:r>
-            <a:endParaRPr lang="en-US" dirty="0">
+              <a:t>התהליך שעברנו:</a:t>
+            </a:r>
+            <a:endParaRPr lang="en-US" sz="2400" dirty="0">
               <a:latin typeface="Calibri" panose="020F0502020204030204" pitchFamily="34" charset="0"/>
               <a:ea typeface="Calibri" panose="020F0502020204030204" pitchFamily="34" charset="0"/>
               <a:cs typeface="Arial" panose="020B0604020202020204" pitchFamily="34" charset="0"/>
             </a:endParaRPr>
           </a:p>
           <a:p>
-            <a:pPr algn="r" rtl="1">
-              <a:lnSpc>
-                <a:spcPct val="107000"/>
-              </a:lnSpc>
-              <a:spcAft>
-                <a:spcPts val="800"/>
-              </a:spcAft>
-            </a:pPr>
-            <a:r>
-              <a:rPr lang="he-IL" dirty="0">
-                <a:latin typeface="Calibri" panose="020F0502020204030204" pitchFamily="34" charset="0"/>
-                <a:ea typeface="Calibri" panose="020F0502020204030204" pitchFamily="34" charset="0"/>
-              </a:rPr>
-              <a:t>האפליקציה באה לפתור בעיה של "רשימת קניות", כשיוצאים לסופר צריך להכין רשימה של הדברים שצריך לקנות וכשעושים את זה "ידנית" בדרך כלל שוכחים דברים, במהלך הקניות צריך להיות עם רשימה ידנית וכל פעם ששמים מוצר בעגלה צריך לסמן עם עט מה כבר נקנה כדי לא כל פעם לעבור על כל רשימת הקניות ולבדוק מה נקנה ומה לא.</a:t>
-            </a:r>
-            <a:endParaRPr lang="en-US" dirty="0">
-              <a:latin typeface="Calibri" panose="020F0502020204030204" pitchFamily="34" charset="0"/>
-              <a:ea typeface="Calibri" panose="020F0502020204030204" pitchFamily="34" charset="0"/>
-              <a:cs typeface="Arial" panose="020B0604020202020204" pitchFamily="34" charset="0"/>
-            </a:endParaRPr>
-          </a:p>
-        </p:txBody>
-      </p:sp>
-      <p:sp>
-        <p:nvSpPr>
-          <p:cNvPr id="6" name="מלבן 5">
-            <a:extLst>
-              <a:ext uri="{FF2B5EF4-FFF2-40B4-BE49-F238E27FC236}">
-                <a16:creationId xmlns:a16="http://schemas.microsoft.com/office/drawing/2014/main" id="{7546BA00-D340-4A3A-A84C-2ADE3E292EF5}"/>
-              </a:ext>
-            </a:extLst>
-          </p:cNvPr>
-          <p:cNvSpPr/>
-          <p:nvPr/>
-        </p:nvSpPr>
-        <p:spPr>
-          <a:xfrm>
-            <a:off x="1524000" y="2956906"/>
-            <a:ext cx="6096000" cy="2847254"/>
-          </a:xfrm>
-          <a:prstGeom prst="rect">
-            <a:avLst/>
-          </a:prstGeom>
-        </p:spPr>
-        <p:txBody>
-          <a:bodyPr>
-            <a:spAutoFit/>
-          </a:bodyPr>
-          <a:lstStyle/>
-          <a:p>
-            <a:pPr algn="r" rtl="1">
-              <a:lnSpc>
-                <a:spcPct val="107000"/>
-              </a:lnSpc>
-              <a:spcAft>
-                <a:spcPts val="800"/>
-              </a:spcAft>
-            </a:pPr>
-            <a:r>
-              <a:rPr lang="he-IL" b="1" dirty="0">
-                <a:latin typeface="Calibri" panose="020F0502020204030204" pitchFamily="34" charset="0"/>
-                <a:ea typeface="Calibri" panose="020F0502020204030204" pitchFamily="34" charset="0"/>
-              </a:rPr>
-              <a:t>הבדיקות שהתבצעו על המערכת:</a:t>
-            </a:r>
-            <a:endParaRPr lang="en-US" dirty="0">
-              <a:latin typeface="Calibri" panose="020F0502020204030204" pitchFamily="34" charset="0"/>
-              <a:ea typeface="Calibri" panose="020F0502020204030204" pitchFamily="34" charset="0"/>
-              <a:cs typeface="Arial" panose="020B0604020202020204" pitchFamily="34" charset="0"/>
-            </a:endParaRPr>
-          </a:p>
-          <a:p>
-            <a:pPr marL="408305" algn="r" rtl="1">
+            <a:pPr marL="694055" indent="-285750" algn="r" rtl="1">
               <a:lnSpc>
                 <a:spcPct val="107000"/>
               </a:lnSpc>
               <a:spcAft>
                 <a:spcPts val="0"/>
               </a:spcAft>
+              <a:buFont typeface="Arial" panose="020B0604020202020204" pitchFamily="34" charset="0"/>
+              <a:buChar char="•"/>
             </a:pPr>
             <a:r>
-              <a:rPr lang="he-IL" dirty="0">
+              <a:rPr lang="he-IL" sz="2400" dirty="0">
                 <a:latin typeface="Calibri" panose="020F0502020204030204" pitchFamily="34" charset="0"/>
                 <a:ea typeface="Calibri" panose="020F0502020204030204" pitchFamily="34" charset="0"/>
               </a:rPr>
-              <a:t>ניסנו את האפליקציה באמצעות עצמנו, נרשמנו, הכנו רשימות ובאמת בדקנו שכל הפונקציות במערכת תקינות. </a:t>
-            </a:r>
+              <a:t>יצרנו ממשק בסיסי של הרשמה ודף בסיסי של הכנת מוצר</a:t>
+            </a:r>
+          </a:p>
+          <a:p>
+            <a:pPr marL="694055" indent="-285750" algn="r" rtl="1">
+              <a:lnSpc>
+                <a:spcPct val="107000"/>
+              </a:lnSpc>
+              <a:spcAft>
+                <a:spcPts val="0"/>
+              </a:spcAft>
+              <a:buFont typeface="Arial" panose="020B0604020202020204" pitchFamily="34" charset="0"/>
+              <a:buChar char="•"/>
+            </a:pPr>
+            <a:r>
+              <a:rPr lang="he-IL" sz="2400" dirty="0">
+                <a:latin typeface="Calibri" panose="020F0502020204030204" pitchFamily="34" charset="0"/>
+                <a:ea typeface="Calibri" panose="020F0502020204030204" pitchFamily="34" charset="0"/>
+                <a:cs typeface="Arial" panose="020B0604020202020204" pitchFamily="34" charset="0"/>
+              </a:rPr>
+              <a:t>התחלנו לעבוד עם ה</a:t>
+            </a:r>
+            <a:r>
+              <a:rPr lang="en-US" sz="2400" dirty="0">
+                <a:latin typeface="Calibri" panose="020F0502020204030204" pitchFamily="34" charset="0"/>
+                <a:ea typeface="Calibri" panose="020F0502020204030204" pitchFamily="34" charset="0"/>
+                <a:cs typeface="Arial" panose="020B0604020202020204" pitchFamily="34" charset="0"/>
+              </a:rPr>
+              <a:t>firebase</a:t>
+            </a:r>
+            <a:r>
+              <a:rPr lang="he-IL" sz="2400" dirty="0">
+                <a:latin typeface="Calibri" panose="020F0502020204030204" pitchFamily="34" charset="0"/>
+                <a:ea typeface="Calibri" panose="020F0502020204030204" pitchFamily="34" charset="0"/>
+                <a:cs typeface="Arial" panose="020B0604020202020204" pitchFamily="34" charset="0"/>
+              </a:rPr>
+              <a:t> ונתקלנו קצת בקשיים בעדכון נתונים ה</a:t>
+            </a:r>
+            <a:r>
+              <a:rPr lang="en-US" sz="2400" dirty="0">
+                <a:latin typeface="Calibri" panose="020F0502020204030204" pitchFamily="34" charset="0"/>
+                <a:ea typeface="Calibri" panose="020F0502020204030204" pitchFamily="34" charset="0"/>
+                <a:cs typeface="Arial" panose="020B0604020202020204" pitchFamily="34" charset="0"/>
+              </a:rPr>
+              <a:t>USER</a:t>
+            </a:r>
+            <a:r>
+              <a:rPr lang="he-IL" sz="2400" dirty="0">
+                <a:latin typeface="Calibri" panose="020F0502020204030204" pitchFamily="34" charset="0"/>
+                <a:ea typeface="Calibri" panose="020F0502020204030204" pitchFamily="34" charset="0"/>
+                <a:cs typeface="Arial" panose="020B0604020202020204" pitchFamily="34" charset="0"/>
+              </a:rPr>
+              <a:t> והכנסת מוצר</a:t>
+            </a:r>
+          </a:p>
+          <a:p>
+            <a:pPr marL="694055" indent="-285750" algn="r" rtl="1">
+              <a:lnSpc>
+                <a:spcPct val="107000"/>
+              </a:lnSpc>
+              <a:spcAft>
+                <a:spcPts val="0"/>
+              </a:spcAft>
+              <a:buFont typeface="Arial" panose="020B0604020202020204" pitchFamily="34" charset="0"/>
+              <a:buChar char="•"/>
+            </a:pPr>
+            <a:r>
+              <a:rPr lang="he-IL" sz="2400" dirty="0">
+                <a:latin typeface="Calibri" panose="020F0502020204030204" pitchFamily="34" charset="0"/>
+                <a:ea typeface="Calibri" panose="020F0502020204030204" pitchFamily="34" charset="0"/>
+                <a:cs typeface="Arial" panose="020B0604020202020204" pitchFamily="34" charset="0"/>
+              </a:rPr>
+              <a:t>כגילינו איך לעבוד נכון עם ה</a:t>
+            </a:r>
+            <a:r>
+              <a:rPr lang="en-US" sz="2400" dirty="0">
+                <a:latin typeface="Calibri" panose="020F0502020204030204" pitchFamily="34" charset="0"/>
+                <a:ea typeface="Calibri" panose="020F0502020204030204" pitchFamily="34" charset="0"/>
+                <a:cs typeface="Arial" panose="020B0604020202020204" pitchFamily="34" charset="0"/>
+              </a:rPr>
+              <a:t>DB</a:t>
+            </a:r>
+            <a:r>
+              <a:rPr lang="he-IL" sz="2400" dirty="0">
+                <a:latin typeface="Calibri" panose="020F0502020204030204" pitchFamily="34" charset="0"/>
+                <a:ea typeface="Calibri" panose="020F0502020204030204" pitchFamily="34" charset="0"/>
+                <a:cs typeface="Arial" panose="020B0604020202020204" pitchFamily="34" charset="0"/>
+              </a:rPr>
+              <a:t> (בעזרת נדב)הצלחנו להתקדם במהירות ולעדכן ולשלוף נתונים מה</a:t>
+            </a:r>
+            <a:r>
+              <a:rPr lang="en-US" sz="2400" dirty="0">
+                <a:latin typeface="Calibri" panose="020F0502020204030204" pitchFamily="34" charset="0"/>
+                <a:ea typeface="Calibri" panose="020F0502020204030204" pitchFamily="34" charset="0"/>
+                <a:cs typeface="Arial" panose="020B0604020202020204" pitchFamily="34" charset="0"/>
+              </a:rPr>
+              <a:t>DB</a:t>
+            </a:r>
+            <a:endParaRPr lang="he-IL" sz="2400" dirty="0">
+              <a:latin typeface="Calibri" panose="020F0502020204030204" pitchFamily="34" charset="0"/>
+              <a:ea typeface="Calibri" panose="020F0502020204030204" pitchFamily="34" charset="0"/>
+              <a:cs typeface="Arial" panose="020B0604020202020204" pitchFamily="34" charset="0"/>
+            </a:endParaRPr>
+          </a:p>
+          <a:p>
+            <a:pPr marL="694055" indent="-285750" algn="r" rtl="1">
+              <a:lnSpc>
+                <a:spcPct val="107000"/>
+              </a:lnSpc>
+              <a:spcAft>
+                <a:spcPts val="0"/>
+              </a:spcAft>
+              <a:buFont typeface="Arial" panose="020B0604020202020204" pitchFamily="34" charset="0"/>
+              <a:buChar char="•"/>
+            </a:pPr>
+            <a:r>
+              <a:rPr lang="he-IL" sz="2400" dirty="0">
+                <a:latin typeface="Calibri" panose="020F0502020204030204" pitchFamily="34" charset="0"/>
+                <a:ea typeface="Calibri" panose="020F0502020204030204" pitchFamily="34" charset="0"/>
+                <a:cs typeface="Arial" panose="020B0604020202020204" pitchFamily="34" charset="0"/>
+              </a:rPr>
+              <a:t>כל פעם השלמנו עוד דף באפליקציה</a:t>
+            </a:r>
+          </a:p>
+          <a:p>
+            <a:pPr marL="694055" indent="-285750" algn="r" rtl="1">
+              <a:lnSpc>
+                <a:spcPct val="107000"/>
+              </a:lnSpc>
+              <a:spcAft>
+                <a:spcPts val="0"/>
+              </a:spcAft>
+              <a:buFont typeface="Arial" panose="020B0604020202020204" pitchFamily="34" charset="0"/>
+              <a:buChar char="•"/>
+            </a:pPr>
+            <a:r>
+              <a:rPr lang="he-IL" sz="2400" dirty="0">
+                <a:latin typeface="Calibri" panose="020F0502020204030204" pitchFamily="34" charset="0"/>
+                <a:ea typeface="Calibri" panose="020F0502020204030204" pitchFamily="34" charset="0"/>
+                <a:cs typeface="Arial" panose="020B0604020202020204" pitchFamily="34" charset="0"/>
+              </a:rPr>
+              <a:t>ביצירת </a:t>
+            </a:r>
+            <a:r>
+              <a:rPr lang="en-US" sz="2400" dirty="0">
+                <a:latin typeface="Calibri" panose="020F0502020204030204" pitchFamily="34" charset="0"/>
+                <a:ea typeface="Calibri" panose="020F0502020204030204" pitchFamily="34" charset="0"/>
+                <a:cs typeface="Arial" panose="020B0604020202020204" pitchFamily="34" charset="0"/>
+              </a:rPr>
+              <a:t>USER</a:t>
+            </a:r>
+            <a:r>
+              <a:rPr lang="he-IL" sz="2400" dirty="0">
+                <a:latin typeface="Calibri" panose="020F0502020204030204" pitchFamily="34" charset="0"/>
+                <a:ea typeface="Calibri" panose="020F0502020204030204" pitchFamily="34" charset="0"/>
+                <a:cs typeface="Arial" panose="020B0604020202020204" pitchFamily="34" charset="0"/>
+              </a:rPr>
+              <a:t> </a:t>
+            </a:r>
+            <a:r>
+              <a:rPr lang="he-IL" sz="2400" dirty="0" err="1">
+                <a:latin typeface="Calibri" panose="020F0502020204030204" pitchFamily="34" charset="0"/>
+                <a:ea typeface="Calibri" panose="020F0502020204030204" pitchFamily="34" charset="0"/>
+                <a:cs typeface="Arial" panose="020B0604020202020204" pitchFamily="34" charset="0"/>
+              </a:rPr>
+              <a:t>הכנסו</a:t>
+            </a:r>
+            <a:r>
+              <a:rPr lang="he-IL" sz="2400" dirty="0">
+                <a:latin typeface="Calibri" panose="020F0502020204030204" pitchFamily="34" charset="0"/>
+                <a:ea typeface="Calibri" panose="020F0502020204030204" pitchFamily="34" charset="0"/>
+                <a:cs typeface="Arial" panose="020B0604020202020204" pitchFamily="34" charset="0"/>
+              </a:rPr>
+              <a:t> כבר מוצרים שכולם קונים (כך נוכל לבדוק שהאפליקציה נוחה עם נתונים רבים)</a:t>
+            </a:r>
+          </a:p>
+          <a:p>
+            <a:pPr marL="694055" indent="-285750" algn="r" rtl="1">
+              <a:lnSpc>
+                <a:spcPct val="107000"/>
+              </a:lnSpc>
+              <a:spcAft>
+                <a:spcPts val="0"/>
+              </a:spcAft>
+              <a:buFont typeface="Arial" panose="020B0604020202020204" pitchFamily="34" charset="0"/>
+              <a:buChar char="•"/>
+            </a:pPr>
+            <a:r>
+              <a:rPr lang="he-IL" sz="2400" dirty="0">
+                <a:latin typeface="Calibri" panose="020F0502020204030204" pitchFamily="34" charset="0"/>
+                <a:ea typeface="Calibri" panose="020F0502020204030204" pitchFamily="34" charset="0"/>
+                <a:cs typeface="Arial" panose="020B0604020202020204" pitchFamily="34" charset="0"/>
+              </a:rPr>
+              <a:t>לקראת הסוף, עבדנו על העיצוב והכנו מדריך למשתמש שמופיע בכל כניסה לאפליקציה עד שלוחצים "אל תציג יותר"</a:t>
+            </a:r>
+          </a:p>
+          <a:p>
+            <a:pPr marL="694055" indent="-285750" algn="r" rtl="1">
+              <a:lnSpc>
+                <a:spcPct val="107000"/>
+              </a:lnSpc>
+              <a:spcAft>
+                <a:spcPts val="0"/>
+              </a:spcAft>
+              <a:buFont typeface="Arial" panose="020B0604020202020204" pitchFamily="34" charset="0"/>
+              <a:buChar char="•"/>
+            </a:pPr>
+            <a:r>
+              <a:rPr lang="he-IL" sz="2400" dirty="0">
+                <a:latin typeface="Calibri" panose="020F0502020204030204" pitchFamily="34" charset="0"/>
+                <a:ea typeface="Calibri" panose="020F0502020204030204" pitchFamily="34" charset="0"/>
+                <a:cs typeface="Arial" panose="020B0604020202020204" pitchFamily="34" charset="0"/>
+              </a:rPr>
+              <a:t>בסוף, ביצענו בדיקות על האפליקציה.</a:t>
+            </a:r>
+          </a:p>
+          <a:p>
+            <a:pPr marL="694055" indent="-285750" algn="r" rtl="1">
+              <a:lnSpc>
+                <a:spcPct val="107000"/>
+              </a:lnSpc>
+              <a:spcAft>
+                <a:spcPts val="0"/>
+              </a:spcAft>
+              <a:buFont typeface="Arial" panose="020B0604020202020204" pitchFamily="34" charset="0"/>
+              <a:buChar char="•"/>
+            </a:pPr>
+            <a:endParaRPr lang="he-IL" dirty="0">
+              <a:latin typeface="Calibri" panose="020F0502020204030204" pitchFamily="34" charset="0"/>
+              <a:ea typeface="Calibri" panose="020F0502020204030204" pitchFamily="34" charset="0"/>
+              <a:cs typeface="Arial" panose="020B0604020202020204" pitchFamily="34" charset="0"/>
+            </a:endParaRPr>
+          </a:p>
+          <a:p>
+            <a:pPr marL="694055" indent="-285750" algn="r" rtl="1">
+              <a:lnSpc>
+                <a:spcPct val="107000"/>
+              </a:lnSpc>
+              <a:spcAft>
+                <a:spcPts val="0"/>
+              </a:spcAft>
+              <a:buFont typeface="Arial" panose="020B0604020202020204" pitchFamily="34" charset="0"/>
+              <a:buChar char="•"/>
+            </a:pPr>
             <a:endParaRPr lang="en-US" dirty="0">
               <a:latin typeface="Calibri" panose="020F0502020204030204" pitchFamily="34" charset="0"/>
               <a:ea typeface="Calibri" panose="020F0502020204030204" pitchFamily="34" charset="0"/>
               <a:cs typeface="Arial" panose="020B0604020202020204" pitchFamily="34" charset="0"/>
             </a:endParaRPr>
           </a:p>
-          <a:p>
-            <a:pPr marL="408305" algn="r" rtl="1">
-              <a:lnSpc>
-                <a:spcPct val="107000"/>
-              </a:lnSpc>
-              <a:spcAft>
-                <a:spcPts val="800"/>
-              </a:spcAft>
-            </a:pPr>
-            <a:r>
-              <a:rPr lang="he-IL" dirty="0">
-                <a:latin typeface="Calibri" panose="020F0502020204030204" pitchFamily="34" charset="0"/>
-                <a:ea typeface="Calibri" panose="020F0502020204030204" pitchFamily="34" charset="0"/>
-              </a:rPr>
-              <a:t>השגיאות שהיו לנו הם עבודה עם בסיס הנתונים, אנחנו יצרנו לכל משתמש אובייקט ששם בתוכו את כל הנתונים על המשתמש, כאשר באנו לשלוף את המידע מבסיס הנתונים האפליקציה כל הזמן קרסה. התגברנו על בעיה זו בכך ששלפנו איבר </a:t>
-            </a:r>
-            <a:r>
-              <a:rPr lang="he-IL" dirty="0" err="1">
-                <a:latin typeface="Calibri" panose="020F0502020204030204" pitchFamily="34" charset="0"/>
-                <a:ea typeface="Calibri" panose="020F0502020204030204" pitchFamily="34" charset="0"/>
-              </a:rPr>
-              <a:t>איבר</a:t>
-            </a:r>
-            <a:r>
-              <a:rPr lang="he-IL" dirty="0">
-                <a:latin typeface="Calibri" panose="020F0502020204030204" pitchFamily="34" charset="0"/>
-                <a:ea typeface="Calibri" panose="020F0502020204030204" pitchFamily="34" charset="0"/>
-              </a:rPr>
-              <a:t> מהאובייקט, יצרנו אובייקט חדש ודרסנו את האובייקט הקודם שהיה בסיס הנתונים.</a:t>
-            </a:r>
-            <a:endParaRPr lang="en-US" dirty="0">
-              <a:latin typeface="Calibri" panose="020F0502020204030204" pitchFamily="34" charset="0"/>
-              <a:ea typeface="Calibri" panose="020F0502020204030204" pitchFamily="34" charset="0"/>
-              <a:cs typeface="Arial" panose="020B0604020202020204" pitchFamily="34" charset="0"/>
-            </a:endParaRPr>
-          </a:p>
         </p:txBody>
       </p:sp>
     </p:spTree>
     <p:extLst>
       <p:ext uri="{BB962C8B-B14F-4D97-AF65-F5344CB8AC3E}">
-        <p14:creationId xmlns:p14="http://schemas.microsoft.com/office/powerpoint/2010/main" val="2062659103"/>
+        <p14:creationId xmlns:p14="http://schemas.microsoft.com/office/powerpoint/2010/main" val="3468045382"/>
       </p:ext>
     </p:extLst>
   </p:cSld>
@@ -7209,7 +7454,287 @@
 </p:sld>
 </file>
 
-<file path=ppt/slides/slide4.xml><?xml version="1.0" encoding="utf-8"?>
+<file path=ppt/slides/slide5.xml><?xml version="1.0" encoding="utf-8"?>
+<p:sld xmlns:a="http://schemas.openxmlformats.org/drawingml/2006/main" xmlns:r="http://schemas.openxmlformats.org/officeDocument/2006/relationships" xmlns:p="http://schemas.openxmlformats.org/presentationml/2006/main">
+  <p:cSld>
+    <p:spTree>
+      <p:nvGrpSpPr>
+        <p:cNvPr id="1" name=""/>
+        <p:cNvGrpSpPr/>
+        <p:nvPr/>
+      </p:nvGrpSpPr>
+      <p:grpSpPr>
+        <a:xfrm>
+          <a:off x="0" y="0"/>
+          <a:ext cx="0" cy="0"/>
+          <a:chOff x="0" y="0"/>
+          <a:chExt cx="0" cy="0"/>
+        </a:xfrm>
+      </p:grpSpPr>
+      <p:sp>
+        <p:nvSpPr>
+          <p:cNvPr id="2" name="מלבן 1">
+            <a:extLst>
+              <a:ext uri="{FF2B5EF4-FFF2-40B4-BE49-F238E27FC236}">
+                <a16:creationId xmlns:a16="http://schemas.microsoft.com/office/drawing/2014/main" id="{0AB74B1D-59C5-4007-86B7-438D12364A06}"/>
+              </a:ext>
+            </a:extLst>
+          </p:cNvPr>
+          <p:cNvSpPr/>
+          <p:nvPr/>
+        </p:nvSpPr>
+        <p:spPr>
+          <a:xfrm>
+            <a:off x="2140226" y="601431"/>
+            <a:ext cx="8680174" cy="5655138"/>
+          </a:xfrm>
+          <a:prstGeom prst="rect">
+            <a:avLst/>
+          </a:prstGeom>
+        </p:spPr>
+        <p:txBody>
+          <a:bodyPr wrap="square">
+            <a:spAutoFit/>
+          </a:bodyPr>
+          <a:lstStyle/>
+          <a:p>
+            <a:pPr algn="r" rtl="1">
+              <a:lnSpc>
+                <a:spcPct val="107000"/>
+              </a:lnSpc>
+              <a:spcAft>
+                <a:spcPts val="800"/>
+              </a:spcAft>
+            </a:pPr>
+            <a:r>
+              <a:rPr lang="he-IL" sz="2400" b="1" dirty="0">
+                <a:latin typeface="Calibri" panose="020F0502020204030204" pitchFamily="34" charset="0"/>
+                <a:ea typeface="Calibri" panose="020F0502020204030204" pitchFamily="34" charset="0"/>
+              </a:rPr>
+              <a:t>הבדיקות שהתבצעו על המערכת:</a:t>
+            </a:r>
+          </a:p>
+          <a:p>
+            <a:pPr marL="342900" indent="-342900" algn="r" rtl="1">
+              <a:lnSpc>
+                <a:spcPct val="107000"/>
+              </a:lnSpc>
+              <a:spcAft>
+                <a:spcPts val="800"/>
+              </a:spcAft>
+              <a:buFont typeface="Wingdings" panose="05000000000000000000" pitchFamily="2" charset="2"/>
+              <a:buChar char="ü"/>
+            </a:pPr>
+            <a:r>
+              <a:rPr lang="he-IL" sz="2400" dirty="0">
+                <a:latin typeface="Calibri" panose="020F0502020204030204" pitchFamily="34" charset="0"/>
+                <a:ea typeface="Calibri" panose="020F0502020204030204" pitchFamily="34" charset="0"/>
+                <a:cs typeface="Arial" panose="020B0604020202020204" pitchFamily="34" charset="0"/>
+              </a:rPr>
+              <a:t>הרשמה (ניסינו להירשם עם סיסמאות לא זהות, לא להכניס חלק מהשדות) </a:t>
+            </a:r>
+          </a:p>
+          <a:p>
+            <a:pPr marL="342900" indent="-342900" algn="r" rtl="1">
+              <a:lnSpc>
+                <a:spcPct val="107000"/>
+              </a:lnSpc>
+              <a:spcAft>
+                <a:spcPts val="800"/>
+              </a:spcAft>
+              <a:buFont typeface="Wingdings" panose="05000000000000000000" pitchFamily="2" charset="2"/>
+              <a:buChar char="ü"/>
+            </a:pPr>
+            <a:r>
+              <a:rPr lang="he-IL" sz="2400" dirty="0">
+                <a:latin typeface="Calibri" panose="020F0502020204030204" pitchFamily="34" charset="0"/>
+                <a:ea typeface="Calibri" panose="020F0502020204030204" pitchFamily="34" charset="0"/>
+                <a:cs typeface="Arial" panose="020B0604020202020204" pitchFamily="34" charset="0"/>
+              </a:rPr>
+              <a:t>כניסה עם </a:t>
+            </a:r>
+            <a:r>
+              <a:rPr lang="he-IL" sz="2400" dirty="0" err="1">
+                <a:latin typeface="Calibri" panose="020F0502020204030204" pitchFamily="34" charset="0"/>
+                <a:ea typeface="Calibri" panose="020F0502020204030204" pitchFamily="34" charset="0"/>
+                <a:cs typeface="Arial" panose="020B0604020202020204" pitchFamily="34" charset="0"/>
+              </a:rPr>
+              <a:t>יוזר</a:t>
+            </a:r>
+            <a:r>
+              <a:rPr lang="he-IL" sz="2400" dirty="0">
+                <a:latin typeface="Calibri" panose="020F0502020204030204" pitchFamily="34" charset="0"/>
+                <a:ea typeface="Calibri" panose="020F0502020204030204" pitchFamily="34" charset="0"/>
+                <a:cs typeface="Arial" panose="020B0604020202020204" pitchFamily="34" charset="0"/>
+              </a:rPr>
+              <a:t> שלא רשום במערכת</a:t>
+            </a:r>
+          </a:p>
+          <a:p>
+            <a:pPr marL="342900" indent="-342900" algn="r" rtl="1">
+              <a:lnSpc>
+                <a:spcPct val="107000"/>
+              </a:lnSpc>
+              <a:spcAft>
+                <a:spcPts val="800"/>
+              </a:spcAft>
+              <a:buFont typeface="Wingdings" panose="05000000000000000000" pitchFamily="2" charset="2"/>
+              <a:buChar char="ü"/>
+            </a:pPr>
+            <a:r>
+              <a:rPr lang="he-IL" sz="2400" dirty="0">
+                <a:latin typeface="Calibri" panose="020F0502020204030204" pitchFamily="34" charset="0"/>
+                <a:ea typeface="Calibri" panose="020F0502020204030204" pitchFamily="34" charset="0"/>
+                <a:cs typeface="Arial" panose="020B0604020202020204" pitchFamily="34" charset="0"/>
+              </a:rPr>
+              <a:t> לחיצה על "אל תציג יותר" וכניסה מחדש. ולהפך- כניסה להסברים וביטול הסימון </a:t>
+            </a:r>
+          </a:p>
+          <a:p>
+            <a:pPr marL="342900" indent="-342900" algn="r" rtl="1">
+              <a:lnSpc>
+                <a:spcPct val="107000"/>
+              </a:lnSpc>
+              <a:spcAft>
+                <a:spcPts val="800"/>
+              </a:spcAft>
+              <a:buFont typeface="Wingdings" panose="05000000000000000000" pitchFamily="2" charset="2"/>
+              <a:buChar char="ü"/>
+            </a:pPr>
+            <a:r>
+              <a:rPr lang="he-IL" sz="2400" dirty="0">
+                <a:latin typeface="Calibri" panose="020F0502020204030204" pitchFamily="34" charset="0"/>
+                <a:ea typeface="Calibri" panose="020F0502020204030204" pitchFamily="34" charset="0"/>
+                <a:cs typeface="Arial" panose="020B0604020202020204" pitchFamily="34" charset="0"/>
+              </a:rPr>
+              <a:t>יצרנו רשימת קניות חדשה ובדקנו שעודכנה ב</a:t>
+            </a:r>
+            <a:r>
+              <a:rPr lang="en-US" sz="2400" dirty="0">
+                <a:latin typeface="Calibri" panose="020F0502020204030204" pitchFamily="34" charset="0"/>
+                <a:ea typeface="Calibri" panose="020F0502020204030204" pitchFamily="34" charset="0"/>
+                <a:cs typeface="Arial" panose="020B0604020202020204" pitchFamily="34" charset="0"/>
+              </a:rPr>
+              <a:t>DB</a:t>
+            </a:r>
+            <a:endParaRPr lang="he-IL" sz="2400" dirty="0">
+              <a:latin typeface="Calibri" panose="020F0502020204030204" pitchFamily="34" charset="0"/>
+              <a:ea typeface="Calibri" panose="020F0502020204030204" pitchFamily="34" charset="0"/>
+              <a:cs typeface="Arial" panose="020B0604020202020204" pitchFamily="34" charset="0"/>
+            </a:endParaRPr>
+          </a:p>
+          <a:p>
+            <a:pPr marL="342900" indent="-342900" algn="r" rtl="1">
+              <a:lnSpc>
+                <a:spcPct val="107000"/>
+              </a:lnSpc>
+              <a:spcAft>
+                <a:spcPts val="800"/>
+              </a:spcAft>
+              <a:buFont typeface="Wingdings" panose="05000000000000000000" pitchFamily="2" charset="2"/>
+              <a:buChar char="ü"/>
+            </a:pPr>
+            <a:r>
+              <a:rPr lang="he-IL" sz="2400" dirty="0">
+                <a:latin typeface="Calibri" panose="020F0502020204030204" pitchFamily="34" charset="0"/>
+                <a:ea typeface="Calibri" panose="020F0502020204030204" pitchFamily="34" charset="0"/>
+                <a:cs typeface="Arial" panose="020B0604020202020204" pitchFamily="34" charset="0"/>
+              </a:rPr>
+              <a:t>"רכשנו" במוצרים ברשימה ובדקנו שהתמונות מתעדכנות בהתאם</a:t>
+            </a:r>
+          </a:p>
+          <a:p>
+            <a:pPr marL="342900" indent="-342900" algn="r" rtl="1">
+              <a:lnSpc>
+                <a:spcPct val="107000"/>
+              </a:lnSpc>
+              <a:spcAft>
+                <a:spcPts val="800"/>
+              </a:spcAft>
+              <a:buFont typeface="Wingdings" panose="05000000000000000000" pitchFamily="2" charset="2"/>
+              <a:buChar char="ü"/>
+            </a:pPr>
+            <a:r>
+              <a:rPr lang="he-IL" sz="2400" dirty="0">
+                <a:latin typeface="Calibri" panose="020F0502020204030204" pitchFamily="34" charset="0"/>
+                <a:ea typeface="Calibri" panose="020F0502020204030204" pitchFamily="34" charset="0"/>
+                <a:cs typeface="Arial" panose="020B0604020202020204" pitchFamily="34" charset="0"/>
+              </a:rPr>
+              <a:t>מחקנו פריטים</a:t>
+            </a:r>
+          </a:p>
+          <a:p>
+            <a:pPr marL="342900" indent="-342900" algn="r" rtl="1">
+              <a:lnSpc>
+                <a:spcPct val="107000"/>
+              </a:lnSpc>
+              <a:spcAft>
+                <a:spcPts val="800"/>
+              </a:spcAft>
+              <a:buFont typeface="Wingdings" panose="05000000000000000000" pitchFamily="2" charset="2"/>
+              <a:buChar char="ü"/>
+            </a:pPr>
+            <a:r>
+              <a:rPr lang="he-IL" sz="2400" dirty="0">
+                <a:latin typeface="Calibri" panose="020F0502020204030204" pitchFamily="34" charset="0"/>
+                <a:ea typeface="Calibri" panose="020F0502020204030204" pitchFamily="34" charset="0"/>
+                <a:cs typeface="Arial" panose="020B0604020202020204" pitchFamily="34" charset="0"/>
+              </a:rPr>
+              <a:t>הוספנו פריטים תוך כדי תהליך של "רשימת קניות" לוודא שהפריטים שסימנו עד </a:t>
+            </a:r>
+            <a:r>
+              <a:rPr lang="he-IL" sz="2400" dirty="0" err="1">
+                <a:latin typeface="Calibri" panose="020F0502020204030204" pitchFamily="34" charset="0"/>
+                <a:ea typeface="Calibri" panose="020F0502020204030204" pitchFamily="34" charset="0"/>
+                <a:cs typeface="Arial" panose="020B0604020202020204" pitchFamily="34" charset="0"/>
+              </a:rPr>
+              <a:t>עכשוי</a:t>
+            </a:r>
+            <a:r>
+              <a:rPr lang="he-IL" sz="2400" dirty="0">
+                <a:latin typeface="Calibri" panose="020F0502020204030204" pitchFamily="34" charset="0"/>
+                <a:ea typeface="Calibri" panose="020F0502020204030204" pitchFamily="34" charset="0"/>
+                <a:cs typeface="Arial" panose="020B0604020202020204" pitchFamily="34" charset="0"/>
+              </a:rPr>
+              <a:t> נשמרים</a:t>
+            </a:r>
+          </a:p>
+          <a:p>
+            <a:pPr marL="342900" indent="-342900" algn="r" rtl="1">
+              <a:lnSpc>
+                <a:spcPct val="107000"/>
+              </a:lnSpc>
+              <a:spcAft>
+                <a:spcPts val="800"/>
+              </a:spcAft>
+              <a:buFont typeface="Wingdings" panose="05000000000000000000" pitchFamily="2" charset="2"/>
+              <a:buChar char="ü"/>
+            </a:pPr>
+            <a:r>
+              <a:rPr lang="he-IL" sz="2400" dirty="0">
+                <a:latin typeface="Calibri" panose="020F0502020204030204" pitchFamily="34" charset="0"/>
+                <a:ea typeface="Calibri" panose="020F0502020204030204" pitchFamily="34" charset="0"/>
+                <a:cs typeface="Arial" panose="020B0604020202020204" pitchFamily="34" charset="0"/>
+              </a:rPr>
+              <a:t>ביצענו קנייה בסופר עם האפליקציה</a:t>
+            </a:r>
+          </a:p>
+        </p:txBody>
+      </p:sp>
+    </p:spTree>
+    <p:extLst>
+      <p:ext uri="{BB962C8B-B14F-4D97-AF65-F5344CB8AC3E}">
+        <p14:creationId xmlns:p14="http://schemas.microsoft.com/office/powerpoint/2010/main" val="1748413122"/>
+      </p:ext>
+    </p:extLst>
+  </p:cSld>
+  <p:clrMapOvr>
+    <a:masterClrMapping/>
+  </p:clrMapOvr>
+</p:sld>
+</file>
+
+<file path=ppt/slides/slide6.xml><?xml version="1.0" encoding="utf-8"?>
 <p:sld xmlns:a="http://schemas.openxmlformats.org/drawingml/2006/main" xmlns:r="http://schemas.openxmlformats.org/officeDocument/2006/relationships" xmlns:p="http://schemas.openxmlformats.org/presentationml/2006/main">
   <p:cSld>
     <p:spTree>
@@ -7240,15 +7765,15 @@
         </p:nvSpPr>
         <p:spPr>
           <a:xfrm>
-            <a:off x="3604591" y="1996689"/>
-            <a:ext cx="6096000" cy="1766189"/>
+            <a:off x="2186608" y="1497496"/>
+            <a:ext cx="8375374" cy="3371500"/>
           </a:xfrm>
           <a:prstGeom prst="rect">
             <a:avLst/>
           </a:prstGeom>
         </p:spPr>
         <p:txBody>
-          <a:bodyPr>
+          <a:bodyPr wrap="square">
             <a:spAutoFit/>
           </a:bodyPr>
           <a:lstStyle/>
@@ -7262,53 +7787,101 @@
               </a:spcAft>
             </a:pPr>
             <a:r>
-              <a:rPr lang="he-IL" b="1" dirty="0">
+              <a:rPr lang="he-IL" sz="2400" b="1" dirty="0">
                 <a:latin typeface="Calibri" panose="020F0502020204030204" pitchFamily="34" charset="0"/>
                 <a:ea typeface="Calibri" panose="020F0502020204030204" pitchFamily="34" charset="0"/>
               </a:rPr>
               <a:t>היבטים עתידיים:</a:t>
             </a:r>
-            <a:endParaRPr lang="en-US" dirty="0">
-              <a:latin typeface="Calibri" panose="020F0502020204030204" pitchFamily="34" charset="0"/>
-              <a:ea typeface="Calibri" panose="020F0502020204030204" pitchFamily="34" charset="0"/>
-              <a:cs typeface="Arial" panose="020B0604020202020204" pitchFamily="34" charset="0"/>
-            </a:endParaRPr>
-          </a:p>
-          <a:p>
-            <a:pPr marL="408305" algn="r" rtl="1">
+          </a:p>
+          <a:p>
+            <a:pPr marL="342900" indent="-342900" algn="r" rtl="1">
               <a:lnSpc>
                 <a:spcPct val="107000"/>
               </a:lnSpc>
               <a:spcAft>
                 <a:spcPts val="800"/>
               </a:spcAft>
+              <a:buFont typeface="Wingdings" panose="05000000000000000000" pitchFamily="2" charset="2"/>
+              <a:buChar char="v"/>
             </a:pPr>
             <a:r>
-              <a:rPr lang="he-IL" dirty="0">
+              <a:rPr lang="he-IL" sz="2400" dirty="0">
                 <a:latin typeface="Calibri" panose="020F0502020204030204" pitchFamily="34" charset="0"/>
                 <a:ea typeface="Calibri" panose="020F0502020204030204" pitchFamily="34" charset="0"/>
               </a:rPr>
-              <a:t>פיתוחים אפשריים שניתן לעשות למערכת הם סטטיסטיקות, בהם יהיה אפשר לראות כמה כסף הוצאנו בכל קניה, השוואות בין סלי קניות, וכמות הוצאות חודשית על קניות.</a:t>
-            </a:r>
-          </a:p>
-          <a:p>
-            <a:pPr marL="408305" algn="r" rtl="1">
+              <a:t>סטטיסטיקות (כמה כסף הוצאנו בכל קניה, השוואות בין סלי קניות, וכמות הוצאות חודשית על קניות)</a:t>
+            </a:r>
+          </a:p>
+          <a:p>
+            <a:pPr marL="342900" indent="-342900" algn="r" rtl="1">
               <a:lnSpc>
                 <a:spcPct val="107000"/>
               </a:lnSpc>
               <a:spcAft>
                 <a:spcPts val="800"/>
               </a:spcAft>
+              <a:buFont typeface="Wingdings" panose="05000000000000000000" pitchFamily="2" charset="2"/>
+              <a:buChar char="v"/>
             </a:pPr>
             <a:r>
-              <a:rPr lang="he-IL" dirty="0">
+              <a:rPr lang="he-IL" sz="2400" dirty="0">
                 <a:latin typeface="Calibri" panose="020F0502020204030204" pitchFamily="34" charset="0"/>
                 <a:ea typeface="Calibri" panose="020F0502020204030204" pitchFamily="34" charset="0"/>
-                <a:cs typeface="Arial" panose="020B0604020202020204" pitchFamily="34" charset="0"/>
               </a:rPr>
-              <a:t>בנוסף, הוספת תמונות למוצר וסידור מוצרים לפי קטגוריות</a:t>
-            </a:r>
-            <a:endParaRPr lang="en-US" dirty="0">
+              <a:t>הוספת תמונות למוצר</a:t>
+            </a:r>
+          </a:p>
+          <a:p>
+            <a:pPr marL="342900" indent="-342900" algn="r" rtl="1">
+              <a:lnSpc>
+                <a:spcPct val="107000"/>
+              </a:lnSpc>
+              <a:spcAft>
+                <a:spcPts val="800"/>
+              </a:spcAft>
+              <a:buFont typeface="Wingdings" panose="05000000000000000000" pitchFamily="2" charset="2"/>
+              <a:buChar char="v"/>
+            </a:pPr>
+            <a:r>
+              <a:rPr lang="he-IL" sz="2400" dirty="0">
+                <a:latin typeface="Calibri" panose="020F0502020204030204" pitchFamily="34" charset="0"/>
+                <a:ea typeface="Calibri" panose="020F0502020204030204" pitchFamily="34" charset="0"/>
+              </a:rPr>
+              <a:t>סידור מוצרים לפי קטגוריות</a:t>
+            </a:r>
+          </a:p>
+          <a:p>
+            <a:pPr marL="342900" indent="-342900" algn="r" rtl="1">
+              <a:lnSpc>
+                <a:spcPct val="107000"/>
+              </a:lnSpc>
+              <a:spcAft>
+                <a:spcPts val="800"/>
+              </a:spcAft>
+              <a:buFont typeface="Wingdings" panose="05000000000000000000" pitchFamily="2" charset="2"/>
+              <a:buChar char="v"/>
+            </a:pPr>
+            <a:r>
+              <a:rPr lang="he-IL" sz="2400" dirty="0">
+                <a:latin typeface="Calibri" panose="020F0502020204030204" pitchFamily="34" charset="0"/>
+                <a:ea typeface="Calibri" panose="020F0502020204030204" pitchFamily="34" charset="0"/>
+              </a:rPr>
+              <a:t>ניווט בסופר לפי רשימת הקניות</a:t>
+            </a:r>
+          </a:p>
+          <a:p>
+            <a:pPr marL="342900" indent="-342900" algn="r" rtl="1">
+              <a:lnSpc>
+                <a:spcPct val="107000"/>
+              </a:lnSpc>
+              <a:spcAft>
+                <a:spcPts val="800"/>
+              </a:spcAft>
+              <a:buFont typeface="Wingdings" panose="05000000000000000000" pitchFamily="2" charset="2"/>
+              <a:buChar char="v"/>
+            </a:pPr>
+            <a:endParaRPr lang="en-US" sz="2400" dirty="0">
               <a:latin typeface="Calibri" panose="020F0502020204030204" pitchFamily="34" charset="0"/>
               <a:ea typeface="Calibri" panose="020F0502020204030204" pitchFamily="34" charset="0"/>
               <a:cs typeface="Arial" panose="020B0604020202020204" pitchFamily="34" charset="0"/>
